--- a/Module10_ORM/PreparationCours_DemoEF/Design/Design.pptx
+++ b/Module10_ORM/PreparationCours_DemoEF/Design/Design.pptx
@@ -105,6 +105,11 @@
       </a:defRPr>
     </a:lvl9pPr>
   </p:defaultTextStyle>
+  <p:extLst>
+    <p:ext uri="{EFAFB233-063F-42B5-8137-9DF3F51BA10A}">
+      <p15:sldGuideLst xmlns:p15="http://schemas.microsoft.com/office/powerpoint/2012/main"/>
+    </p:ext>
+  </p:extLst>
 </p:presentation>
 </file>
 
@@ -257,7 +262,7 @@
           <a:p>
             <a:fld id="{A3735932-81DE-2640-B383-CFBC1E4013C3}" type="datetimeFigureOut">
               <a:rPr lang="fr-FR" smtClean="0"/>
-              <a:t>23/05/2022</a:t>
+              <a:t>25/01/2023</a:t>
             </a:fld>
             <a:endParaRPr lang="fr-FR"/>
           </a:p>
@@ -457,7 +462,7 @@
           <a:p>
             <a:fld id="{A3735932-81DE-2640-B383-CFBC1E4013C3}" type="datetimeFigureOut">
               <a:rPr lang="fr-FR" smtClean="0"/>
-              <a:t>23/05/2022</a:t>
+              <a:t>25/01/2023</a:t>
             </a:fld>
             <a:endParaRPr lang="fr-FR"/>
           </a:p>
@@ -667,7 +672,7 @@
           <a:p>
             <a:fld id="{A3735932-81DE-2640-B383-CFBC1E4013C3}" type="datetimeFigureOut">
               <a:rPr lang="fr-FR" smtClean="0"/>
-              <a:t>23/05/2022</a:t>
+              <a:t>25/01/2023</a:t>
             </a:fld>
             <a:endParaRPr lang="fr-FR"/>
           </a:p>
@@ -867,7 +872,7 @@
           <a:p>
             <a:fld id="{A3735932-81DE-2640-B383-CFBC1E4013C3}" type="datetimeFigureOut">
               <a:rPr lang="fr-FR" smtClean="0"/>
-              <a:t>23/05/2022</a:t>
+              <a:t>25/01/2023</a:t>
             </a:fld>
             <a:endParaRPr lang="fr-FR"/>
           </a:p>
@@ -1143,7 +1148,7 @@
           <a:p>
             <a:fld id="{A3735932-81DE-2640-B383-CFBC1E4013C3}" type="datetimeFigureOut">
               <a:rPr lang="fr-FR" smtClean="0"/>
-              <a:t>23/05/2022</a:t>
+              <a:t>25/01/2023</a:t>
             </a:fld>
             <a:endParaRPr lang="fr-FR"/>
           </a:p>
@@ -1411,7 +1416,7 @@
           <a:p>
             <a:fld id="{A3735932-81DE-2640-B383-CFBC1E4013C3}" type="datetimeFigureOut">
               <a:rPr lang="fr-FR" smtClean="0"/>
-              <a:t>23/05/2022</a:t>
+              <a:t>25/01/2023</a:t>
             </a:fld>
             <a:endParaRPr lang="fr-FR"/>
           </a:p>
@@ -1826,7 +1831,7 @@
           <a:p>
             <a:fld id="{A3735932-81DE-2640-B383-CFBC1E4013C3}" type="datetimeFigureOut">
               <a:rPr lang="fr-FR" smtClean="0"/>
-              <a:t>23/05/2022</a:t>
+              <a:t>25/01/2023</a:t>
             </a:fld>
             <a:endParaRPr lang="fr-FR"/>
           </a:p>
@@ -1968,7 +1973,7 @@
           <a:p>
             <a:fld id="{A3735932-81DE-2640-B383-CFBC1E4013C3}" type="datetimeFigureOut">
               <a:rPr lang="fr-FR" smtClean="0"/>
-              <a:t>23/05/2022</a:t>
+              <a:t>25/01/2023</a:t>
             </a:fld>
             <a:endParaRPr lang="fr-FR"/>
           </a:p>
@@ -2081,7 +2086,7 @@
           <a:p>
             <a:fld id="{A3735932-81DE-2640-B383-CFBC1E4013C3}" type="datetimeFigureOut">
               <a:rPr lang="fr-FR" smtClean="0"/>
-              <a:t>23/05/2022</a:t>
+              <a:t>25/01/2023</a:t>
             </a:fld>
             <a:endParaRPr lang="fr-FR"/>
           </a:p>
@@ -2394,7 +2399,7 @@
           <a:p>
             <a:fld id="{A3735932-81DE-2640-B383-CFBC1E4013C3}" type="datetimeFigureOut">
               <a:rPr lang="fr-FR" smtClean="0"/>
-              <a:t>23/05/2022</a:t>
+              <a:t>25/01/2023</a:t>
             </a:fld>
             <a:endParaRPr lang="fr-FR"/>
           </a:p>
@@ -2683,7 +2688,7 @@
           <a:p>
             <a:fld id="{A3735932-81DE-2640-B383-CFBC1E4013C3}" type="datetimeFigureOut">
               <a:rPr lang="fr-FR" smtClean="0"/>
-              <a:t>23/05/2022</a:t>
+              <a:t>25/01/2023</a:t>
             </a:fld>
             <a:endParaRPr lang="fr-FR"/>
           </a:p>
@@ -2926,7 +2931,7 @@
           <a:p>
             <a:fld id="{A3735932-81DE-2640-B383-CFBC1E4013C3}" type="datetimeFigureOut">
               <a:rPr lang="fr-FR" smtClean="0"/>
-              <a:t>23/05/2022</a:t>
+              <a:t>25/01/2023</a:t>
             </a:fld>
             <a:endParaRPr lang="fr-FR"/>
           </a:p>
@@ -3540,8 +3545,12 @@
           <a:p>
             <a:pPr algn="ctr"/>
             <a:r>
-              <a:rPr lang="fr-FR" sz="2400" dirty="0" err="1"/>
-              <a:t>DemoEF_Oracle_Console</a:t>
+              <a:rPr lang="fr-FR" sz="2400" err="1"/>
+              <a:t>DemoEF</a:t>
+            </a:r>
+            <a:r>
+              <a:rPr lang="fr-FR" sz="2400"/>
+              <a:t>_Console</a:t>
             </a:r>
             <a:endParaRPr lang="fr-FR" sz="2400" dirty="0"/>
           </a:p>
@@ -3954,7 +3963,7 @@
         </p:nvSpPr>
         <p:spPr>
           <a:xfrm>
-            <a:off x="3976874" y="6858000"/>
+            <a:off x="4754114" y="6873240"/>
             <a:ext cx="914400" cy="1216152"/>
           </a:xfrm>
           <a:prstGeom prst="can">
@@ -4014,7 +4023,7 @@
         <p:spPr>
           <a:xfrm>
             <a:off x="4434450" y="6046722"/>
-            <a:ext cx="0" cy="811278"/>
+            <a:ext cx="776864" cy="811278"/>
           </a:xfrm>
           <a:prstGeom prst="straightConnector1">
             <a:avLst/>
@@ -4089,7 +4098,7 @@
         <p:spPr>
           <a:xfrm>
             <a:off x="4434074" y="6455788"/>
-            <a:ext cx="3832268" cy="369332"/>
+            <a:ext cx="5537734" cy="369332"/>
           </a:xfrm>
           <a:prstGeom prst="rect">
             <a:avLst/>
@@ -4104,7 +4113,7 @@
           <a:p>
             <a:r>
               <a:rPr lang="fr-FR" dirty="0"/>
-              <a:t>Appel réseau du service « SQL Oracle »</a:t>
+              <a:t>Appel réseau du service « SQL Oracle » ou « SQL Server »</a:t>
             </a:r>
           </a:p>
         </p:txBody>
@@ -4144,6 +4153,109 @@
           </a:p>
         </p:txBody>
       </p:sp>
+      <p:sp>
+        <p:nvSpPr>
+          <p:cNvPr id="3" name="Cylindre 2">
+            <a:extLst>
+              <a:ext uri="{FF2B5EF4-FFF2-40B4-BE49-F238E27FC236}">
+                <a16:creationId xmlns:a16="http://schemas.microsoft.com/office/drawing/2014/main" id="{47423657-3F43-E499-A460-6551F4FF7333}"/>
+              </a:ext>
+            </a:extLst>
+          </p:cNvPr>
+          <p:cNvSpPr/>
+          <p:nvPr/>
+        </p:nvSpPr>
+        <p:spPr>
+          <a:xfrm>
+            <a:off x="3014468" y="6859349"/>
+            <a:ext cx="914400" cy="1216152"/>
+          </a:xfrm>
+          <a:prstGeom prst="can">
+            <a:avLst/>
+          </a:prstGeom>
+          <a:solidFill>
+            <a:schemeClr val="accent1">
+              <a:lumMod val="60000"/>
+              <a:lumOff val="40000"/>
+            </a:schemeClr>
+          </a:solidFill>
+          <a:ln>
+            <a:solidFill>
+              <a:schemeClr val="accent1"/>
+            </a:solidFill>
+          </a:ln>
+        </p:spPr>
+        <p:style>
+          <a:lnRef idx="2">
+            <a:schemeClr val="accent1">
+              <a:shade val="50000"/>
+            </a:schemeClr>
+          </a:lnRef>
+          <a:fillRef idx="1">
+            <a:schemeClr val="accent1"/>
+          </a:fillRef>
+          <a:effectRef idx="0">
+            <a:schemeClr val="accent1"/>
+          </a:effectRef>
+          <a:fontRef idx="minor">
+            <a:schemeClr val="lt1"/>
+          </a:fontRef>
+        </p:style>
+        <p:txBody>
+          <a:bodyPr rtlCol="0" anchor="ctr"/>
+          <a:lstStyle/>
+          <a:p>
+            <a:pPr algn="ctr"/>
+            <a:r>
+              <a:rPr lang="fr-FR" dirty="0"/>
+              <a:t>SQL Server</a:t>
+            </a:r>
+          </a:p>
+        </p:txBody>
+      </p:sp>
+      <p:cxnSp>
+        <p:nvCxnSpPr>
+          <p:cNvPr id="8" name="Connecteur droit avec flèche 7">
+            <a:extLst>
+              <a:ext uri="{FF2B5EF4-FFF2-40B4-BE49-F238E27FC236}">
+                <a16:creationId xmlns:a16="http://schemas.microsoft.com/office/drawing/2014/main" id="{F2301797-74F8-8D44-49BF-DD245ADEC763}"/>
+              </a:ext>
+            </a:extLst>
+          </p:cNvPr>
+          <p:cNvCxnSpPr>
+            <a:cxnSpLocks/>
+            <a:endCxn id="3" idx="1"/>
+          </p:cNvCxnSpPr>
+          <p:nvPr/>
+        </p:nvCxnSpPr>
+        <p:spPr>
+          <a:xfrm flipH="1">
+            <a:off x="3471668" y="6164031"/>
+            <a:ext cx="934020" cy="695318"/>
+          </a:xfrm>
+          <a:prstGeom prst="straightConnector1">
+            <a:avLst/>
+          </a:prstGeom>
+          <a:ln w="41275">
+            <a:prstDash val="solid"/>
+            <a:tailEnd type="arrow"/>
+          </a:ln>
+        </p:spPr>
+        <p:style>
+          <a:lnRef idx="1">
+            <a:schemeClr val="accent1"/>
+          </a:lnRef>
+          <a:fillRef idx="0">
+            <a:schemeClr val="accent1"/>
+          </a:fillRef>
+          <a:effectRef idx="0">
+            <a:schemeClr val="accent1"/>
+          </a:effectRef>
+          <a:fontRef idx="minor">
+            <a:schemeClr val="tx1"/>
+          </a:fontRef>
+        </p:style>
+      </p:cxnSp>
     </p:spTree>
     <p:extLst>
       <p:ext uri="{BB962C8B-B14F-4D97-AF65-F5344CB8AC3E}">

--- a/Module10_ORM/PreparationCours_DemoEF/Design/Design.pptx
+++ b/Module10_ORM/PreparationCours_DemoEF/Design/Design.pptx
@@ -3545,12 +3545,8 @@
           <a:p>
             <a:pPr algn="ctr"/>
             <a:r>
-              <a:rPr lang="fr-FR" sz="2400" err="1"/>
-              <a:t>DemoEF</a:t>
-            </a:r>
-            <a:r>
-              <a:rPr lang="fr-FR" sz="2400"/>
-              <a:t>_Console</a:t>
+              <a:rPr lang="fr-FR" sz="2400" dirty="0" err="1"/>
+              <a:t>DemoEF_Console</a:t>
             </a:r>
             <a:endParaRPr lang="fr-FR" sz="2400" dirty="0"/>
           </a:p>
